--- a/Presentation.pptx
+++ b/Presentation.pptx
@@ -454,7 +454,7 @@
           <a:p>
             <a:fld id="{8E19DAF8-929C-4198-94A9-5987C1919AFA}" type="datetimeFigureOut">
               <a:rPr lang="ru-RU" smtClean="0"/>
-              <a:t>07.01.2024</a:t>
+              <a:t>13.01.2024</a:t>
             </a:fld>
             <a:endParaRPr lang="ru-RU"/>
           </a:p>
@@ -1542,7 +1542,7 @@
           <a:p>
             <a:fld id="{8E19DAF8-929C-4198-94A9-5987C1919AFA}" type="datetimeFigureOut">
               <a:rPr lang="ru-RU" smtClean="0"/>
-              <a:t>07.01.2024</a:t>
+              <a:t>13.01.2024</a:t>
             </a:fld>
             <a:endParaRPr lang="ru-RU"/>
           </a:p>
@@ -2522,7 +2522,7 @@
           <a:p>
             <a:fld id="{8E19DAF8-929C-4198-94A9-5987C1919AFA}" type="datetimeFigureOut">
               <a:rPr lang="ru-RU" smtClean="0"/>
-              <a:t>07.01.2024</a:t>
+              <a:t>13.01.2024</a:t>
             </a:fld>
             <a:endParaRPr lang="ru-RU"/>
           </a:p>
@@ -3656,7 +3656,7 @@
           <a:p>
             <a:fld id="{8E19DAF8-929C-4198-94A9-5987C1919AFA}" type="datetimeFigureOut">
               <a:rPr lang="ru-RU" smtClean="0"/>
-              <a:t>07.01.2024</a:t>
+              <a:t>13.01.2024</a:t>
             </a:fld>
             <a:endParaRPr lang="ru-RU"/>
           </a:p>
@@ -4689,7 +4689,7 @@
           <a:p>
             <a:fld id="{8E19DAF8-929C-4198-94A9-5987C1919AFA}" type="datetimeFigureOut">
               <a:rPr lang="ru-RU" smtClean="0"/>
-              <a:t>07.01.2024</a:t>
+              <a:t>13.01.2024</a:t>
             </a:fld>
             <a:endParaRPr lang="ru-RU"/>
           </a:p>
@@ -5349,7 +5349,7 @@
           <a:p>
             <a:fld id="{8E19DAF8-929C-4198-94A9-5987C1919AFA}" type="datetimeFigureOut">
               <a:rPr lang="ru-RU" smtClean="0"/>
-              <a:t>07.01.2024</a:t>
+              <a:t>13.01.2024</a:t>
             </a:fld>
             <a:endParaRPr lang="ru-RU"/>
           </a:p>
@@ -6210,7 +6210,7 @@
           <a:p>
             <a:fld id="{8E19DAF8-929C-4198-94A9-5987C1919AFA}" type="datetimeFigureOut">
               <a:rPr lang="ru-RU" smtClean="0"/>
-              <a:t>07.01.2024</a:t>
+              <a:t>13.01.2024</a:t>
             </a:fld>
             <a:endParaRPr lang="ru-RU"/>
           </a:p>
@@ -6400,7 +6400,7 @@
           <a:p>
             <a:fld id="{8E19DAF8-929C-4198-94A9-5987C1919AFA}" type="datetimeFigureOut">
               <a:rPr lang="ru-RU" smtClean="0"/>
-              <a:t>07.01.2024</a:t>
+              <a:t>13.01.2024</a:t>
             </a:fld>
             <a:endParaRPr lang="ru-RU"/>
           </a:p>
@@ -7372,7 +7372,7 @@
           <a:p>
             <a:fld id="{8E19DAF8-929C-4198-94A9-5987C1919AFA}" type="datetimeFigureOut">
               <a:rPr lang="ru-RU" smtClean="0"/>
-              <a:t>07.01.2024</a:t>
+              <a:t>13.01.2024</a:t>
             </a:fld>
             <a:endParaRPr lang="ru-RU"/>
           </a:p>
@@ -7583,7 +7583,7 @@
           <a:p>
             <a:fld id="{8E19DAF8-929C-4198-94A9-5987C1919AFA}" type="datetimeFigureOut">
               <a:rPr lang="ru-RU" smtClean="0"/>
-              <a:t>07.01.2024</a:t>
+              <a:t>13.01.2024</a:t>
             </a:fld>
             <a:endParaRPr lang="ru-RU"/>
           </a:p>
@@ -8617,7 +8617,7 @@
           <a:p>
             <a:fld id="{8E19DAF8-929C-4198-94A9-5987C1919AFA}" type="datetimeFigureOut">
               <a:rPr lang="ru-RU" smtClean="0"/>
-              <a:t>07.01.2024</a:t>
+              <a:t>13.01.2024</a:t>
             </a:fld>
             <a:endParaRPr lang="ru-RU"/>
           </a:p>
@@ -8889,7 +8889,7 @@
           <a:p>
             <a:fld id="{8E19DAF8-929C-4198-94A9-5987C1919AFA}" type="datetimeFigureOut">
               <a:rPr lang="ru-RU" smtClean="0"/>
-              <a:t>07.01.2024</a:t>
+              <a:t>13.01.2024</a:t>
             </a:fld>
             <a:endParaRPr lang="ru-RU"/>
           </a:p>
@@ -9299,7 +9299,7 @@
           <a:p>
             <a:fld id="{8E19DAF8-929C-4198-94A9-5987C1919AFA}" type="datetimeFigureOut">
               <a:rPr lang="ru-RU" smtClean="0"/>
-              <a:t>07.01.2024</a:t>
+              <a:t>13.01.2024</a:t>
             </a:fld>
             <a:endParaRPr lang="ru-RU"/>
           </a:p>
@@ -9426,7 +9426,7 @@
           <a:p>
             <a:fld id="{8E19DAF8-929C-4198-94A9-5987C1919AFA}" type="datetimeFigureOut">
               <a:rPr lang="ru-RU" smtClean="0"/>
-              <a:t>07.01.2024</a:t>
+              <a:t>13.01.2024</a:t>
             </a:fld>
             <a:endParaRPr lang="ru-RU"/>
           </a:p>
@@ -9521,7 +9521,7 @@
           <a:p>
             <a:fld id="{8E19DAF8-929C-4198-94A9-5987C1919AFA}" type="datetimeFigureOut">
               <a:rPr lang="ru-RU" smtClean="0"/>
-              <a:t>07.01.2024</a:t>
+              <a:t>13.01.2024</a:t>
             </a:fld>
             <a:endParaRPr lang="ru-RU"/>
           </a:p>
@@ -10602,7 +10602,7 @@
           <a:p>
             <a:fld id="{8E19DAF8-929C-4198-94A9-5987C1919AFA}" type="datetimeFigureOut">
               <a:rPr lang="ru-RU" smtClean="0"/>
-              <a:t>07.01.2024</a:t>
+              <a:t>13.01.2024</a:t>
             </a:fld>
             <a:endParaRPr lang="ru-RU"/>
           </a:p>
@@ -11710,7 +11710,7 @@
           <a:p>
             <a:fld id="{8E19DAF8-929C-4198-94A9-5987C1919AFA}" type="datetimeFigureOut">
               <a:rPr lang="ru-RU" smtClean="0"/>
-              <a:t>07.01.2024</a:t>
+              <a:t>13.01.2024</a:t>
             </a:fld>
             <a:endParaRPr lang="ru-RU"/>
           </a:p>
@@ -12707,7 +12707,7 @@
           <a:p>
             <a:fld id="{8E19DAF8-929C-4198-94A9-5987C1919AFA}" type="datetimeFigureOut">
               <a:rPr lang="ru-RU" smtClean="0"/>
-              <a:t>07.01.2024</a:t>
+              <a:t>13.01.2024</a:t>
             </a:fld>
             <a:endParaRPr lang="ru-RU"/>
           </a:p>
@@ -14788,7 +14788,7 @@
         </p:nvSpPr>
         <p:spPr>
           <a:xfrm>
-            <a:off x="1154954" y="2485811"/>
+            <a:off x="1154954" y="2304731"/>
             <a:ext cx="8825659" cy="3416300"/>
           </a:xfrm>
         </p:spPr>
@@ -14858,6 +14858,30 @@
               <a:t>Победа: игрок побеждает, если он уничтожает всех юнитов соперника.</a:t>
             </a:r>
           </a:p>
+          <a:p>
+            <a:pPr algn="just">
+              <a:lnSpc>
+                <a:spcPct val="115000"/>
+              </a:lnSpc>
+              <a:spcAft>
+                <a:spcPts val="1000"/>
+              </a:spcAft>
+            </a:pPr>
+            <a:r>
+              <a:rPr lang="ru-RU" dirty="0">
+                <a:latin typeface="Times New Roman" panose="02020603050405020304" pitchFamily="18" charset="0"/>
+                <a:ea typeface="Calibri" panose="020F0502020204030204" pitchFamily="34" charset="0"/>
+                <a:cs typeface="Times New Roman" panose="02020603050405020304" pitchFamily="18" charset="0"/>
+              </a:rPr>
+              <a:t>Подробное описание игрового процесса приведено в пояснительной записке.</a:t>
+            </a:r>
+            <a:endParaRPr lang="ru-RU" sz="1800" dirty="0">
+              <a:effectLst/>
+              <a:latin typeface="Times New Roman" panose="02020603050405020304" pitchFamily="18" charset="0"/>
+              <a:ea typeface="Calibri" panose="020F0502020204030204" pitchFamily="34" charset="0"/>
+              <a:cs typeface="Times New Roman" panose="02020603050405020304" pitchFamily="18" charset="0"/>
+            </a:endParaRPr>
+          </a:p>
         </p:txBody>
       </p:sp>
       <p:sp>
@@ -14876,7 +14900,7 @@
         </p:nvSpPr>
         <p:spPr bwMode="gray">
           <a:xfrm>
-            <a:off x="601195" y="4338012"/>
+            <a:off x="601195" y="4709201"/>
             <a:ext cx="8761413" cy="706964"/>
           </a:xfrm>
           <a:prstGeom prst="rect">
@@ -14987,7 +15011,7 @@
         </p:nvSpPr>
         <p:spPr>
           <a:xfrm>
-            <a:off x="601195" y="5026870"/>
+            <a:off x="601195" y="5398059"/>
             <a:ext cx="10435851" cy="384785"/>
           </a:xfrm>
           <a:prstGeom prst="rect">
